--- a/Documents/基于多云存储的网盘设计与实现.pptx
+++ b/Documents/基于多云存储的网盘设计与实现.pptx
@@ -1173,6 +1173,13 @@
         </dgm:presLayoutVars>
       </dgm:prSet>
       <dgm:spPr/>
+      <dgm:t>
+        <a:bodyPr/>
+        <a:lstStyle/>
+        <a:p>
+          <a:endParaRPr lang="zh-CN" altLang="en-US"/>
+        </a:p>
+      </dgm:t>
     </dgm:pt>
     <dgm:pt modelId="{4FE96E45-06F2-4227-B071-2711F9CFD1F3}" type="pres">
       <dgm:prSet presAssocID="{E9760F77-4C4D-4CF2-B3E3-EA45210D86AF}" presName="vertOne" presStyleCnt="0"/>
@@ -1185,6 +1192,13 @@
         </dgm:presLayoutVars>
       </dgm:prSet>
       <dgm:spPr/>
+      <dgm:t>
+        <a:bodyPr/>
+        <a:lstStyle/>
+        <a:p>
+          <a:endParaRPr lang="zh-CN" altLang="en-US"/>
+        </a:p>
+      </dgm:t>
     </dgm:pt>
     <dgm:pt modelId="{2352C57B-CD36-49D0-9842-6149F2DA5E70}" type="pres">
       <dgm:prSet presAssocID="{E9760F77-4C4D-4CF2-B3E3-EA45210D86AF}" presName="parTransOne" presStyleCnt="0"/>
@@ -1205,6 +1219,13 @@
         </dgm:presLayoutVars>
       </dgm:prSet>
       <dgm:spPr/>
+      <dgm:t>
+        <a:bodyPr/>
+        <a:lstStyle/>
+        <a:p>
+          <a:endParaRPr lang="zh-CN" altLang="en-US"/>
+        </a:p>
+      </dgm:t>
     </dgm:pt>
     <dgm:pt modelId="{722A71AE-BF6C-45CF-BDA2-B8C28BF758E7}" type="pres">
       <dgm:prSet presAssocID="{C7B6C817-4A21-4C42-8F04-7C967653B87E}" presName="parTransTwo" presStyleCnt="0"/>
@@ -1225,6 +1246,13 @@
         </dgm:presLayoutVars>
       </dgm:prSet>
       <dgm:spPr/>
+      <dgm:t>
+        <a:bodyPr/>
+        <a:lstStyle/>
+        <a:p>
+          <a:endParaRPr lang="zh-CN" altLang="en-US"/>
+        </a:p>
+      </dgm:t>
     </dgm:pt>
     <dgm:pt modelId="{057AF906-7BFA-4689-A265-0372EB62CFE1}" type="pres">
       <dgm:prSet presAssocID="{8C14DFCF-7BC8-44F5-81B4-107AD0D7FD3A}" presName="horzThree" presStyleCnt="0"/>
@@ -1272,6 +1300,13 @@
         </dgm:presLayoutVars>
       </dgm:prSet>
       <dgm:spPr/>
+      <dgm:t>
+        <a:bodyPr/>
+        <a:lstStyle/>
+        <a:p>
+          <a:endParaRPr lang="zh-CN" altLang="en-US"/>
+        </a:p>
+      </dgm:t>
     </dgm:pt>
     <dgm:pt modelId="{AC65DAD1-A79F-4042-A2FC-05215B58F525}" type="pres">
       <dgm:prSet presAssocID="{A85C89E5-2E08-4FD8-BF2B-ECC7A0BE95C6}" presName="horzThree" presStyleCnt="0"/>
@@ -1319,6 +1354,13 @@
         </dgm:presLayoutVars>
       </dgm:prSet>
       <dgm:spPr/>
+      <dgm:t>
+        <a:bodyPr/>
+        <a:lstStyle/>
+        <a:p>
+          <a:endParaRPr lang="zh-CN" altLang="en-US"/>
+        </a:p>
+      </dgm:t>
     </dgm:pt>
     <dgm:pt modelId="{4C6FD4C1-CD13-4C4E-AFFB-D3A66804D7FC}" type="pres">
       <dgm:prSet presAssocID="{4C12BAF4-347E-45F6-8190-3654963A8336}" presName="horzThree" presStyleCnt="0"/>
@@ -1326,21 +1368,21 @@
     </dgm:pt>
   </dgm:ptLst>
   <dgm:cxnLst>
+    <dgm:cxn modelId="{8C6AEDC1-8EF6-48E9-8B8F-1401175C45C8}" type="presOf" srcId="{8C14DFCF-7BC8-44F5-81B4-107AD0D7FD3A}" destId="{5146CDD2-CC80-488C-8CFE-F66ABF6D75D5}" srcOrd="0" destOrd="0" presId="urn:microsoft.com/office/officeart/2005/8/layout/hierarchy4"/>
+    <dgm:cxn modelId="{64B07C40-4FD6-47B5-8DDF-3E5EFF6868B3}" type="presOf" srcId="{63DB919B-790B-48C8-906B-7BD74B2881AA}" destId="{16BED079-64F2-4E14-89A4-76A59774EE43}" srcOrd="0" destOrd="0" presId="urn:microsoft.com/office/officeart/2005/8/layout/hierarchy4"/>
+    <dgm:cxn modelId="{81A01A3E-4CCB-40A5-8A2A-A8CF8A6CAE78}" srcId="{E9760F77-4C4D-4CF2-B3E3-EA45210D86AF}" destId="{C7B6C817-4A21-4C42-8F04-7C967653B87E}" srcOrd="0" destOrd="0" parTransId="{3655BD67-82D5-4B2B-9293-80DD7F514BFF}" sibTransId="{F9F1D32F-B4D1-4962-B425-B7071C3BBB61}"/>
+    <dgm:cxn modelId="{9E8AD5D4-879A-419D-BC18-F643B4B18A03}" type="presOf" srcId="{A85C89E5-2E08-4FD8-BF2B-ECC7A0BE95C6}" destId="{78D5B7C2-C47F-4C13-8753-E4F6A70FC8A5}" srcOrd="0" destOrd="0" presId="urn:microsoft.com/office/officeart/2005/8/layout/hierarchy4"/>
     <dgm:cxn modelId="{FC310A4D-D9D8-4E32-9EF8-CBE12445030C}" type="presOf" srcId="{C7B6C817-4A21-4C42-8F04-7C967653B87E}" destId="{E3BE8859-1DBD-453E-B1B6-4F794F28EC50}" srcOrd="0" destOrd="0" presId="urn:microsoft.com/office/officeart/2005/8/layout/hierarchy4"/>
-    <dgm:cxn modelId="{33AC5844-990F-43A0-AB56-482C0457B6B5}" srcId="{C7B6C817-4A21-4C42-8F04-7C967653B87E}" destId="{A85C89E5-2E08-4FD8-BF2B-ECC7A0BE95C6}" srcOrd="2" destOrd="0" parTransId="{837492CD-F51F-48AA-BE58-333B30CFEB2A}" sibTransId="{F7B7038A-EABA-4A05-9EAD-0551378A4E61}"/>
+    <dgm:cxn modelId="{206CD7A7-FA1B-4D55-8F8A-8380DE0DC5F8}" type="presOf" srcId="{4C12BAF4-347E-45F6-8190-3654963A8336}" destId="{C415B42C-C4E6-4D53-833B-28A8F19C4F18}" srcOrd="0" destOrd="0" presId="urn:microsoft.com/office/officeart/2005/8/layout/hierarchy4"/>
     <dgm:cxn modelId="{D879ACD7-CA97-4831-BF14-F6F2EAF16087}" srcId="{26B09853-8C46-4953-998A-FE8BA8ECD498}" destId="{4C12BAF4-347E-45F6-8190-3654963A8336}" srcOrd="0" destOrd="0" parTransId="{850C6B18-5D75-4C73-A61E-080EBDBECC0A}" sibTransId="{61901C4A-0A2B-42B8-8EC5-E49E057D1CAB}"/>
-    <dgm:cxn modelId="{98244B6B-7330-4D12-A83F-BC501F614B5E}" srcId="{C7B6C817-4A21-4C42-8F04-7C967653B87E}" destId="{8C14DFCF-7BC8-44F5-81B4-107AD0D7FD3A}" srcOrd="0" destOrd="0" parTransId="{03CC73CC-5602-4D79-A3A9-68D1F663D4A2}" sibTransId="{174E47ED-E920-4DFD-B0C4-E3F4C684F2FC}"/>
-    <dgm:cxn modelId="{81A01A3E-4CCB-40A5-8A2A-A8CF8A6CAE78}" srcId="{E9760F77-4C4D-4CF2-B3E3-EA45210D86AF}" destId="{C7B6C817-4A21-4C42-8F04-7C967653B87E}" srcOrd="0" destOrd="0" parTransId="{3655BD67-82D5-4B2B-9293-80DD7F514BFF}" sibTransId="{F9F1D32F-B4D1-4962-B425-B7071C3BBB61}"/>
     <dgm:cxn modelId="{F2A76CC8-0553-4D2D-887C-CC172DBB40AE}" srcId="{E9760F77-4C4D-4CF2-B3E3-EA45210D86AF}" destId="{26B09853-8C46-4953-998A-FE8BA8ECD498}" srcOrd="1" destOrd="0" parTransId="{978703E1-E1D0-4022-8B2B-A9D311732F73}" sibTransId="{407789C2-752D-42AC-9236-2124B20CA9FF}"/>
-    <dgm:cxn modelId="{8C6AEDC1-8EF6-48E9-8B8F-1401175C45C8}" type="presOf" srcId="{8C14DFCF-7BC8-44F5-81B4-107AD0D7FD3A}" destId="{5146CDD2-CC80-488C-8CFE-F66ABF6D75D5}" srcOrd="0" destOrd="0" presId="urn:microsoft.com/office/officeart/2005/8/layout/hierarchy4"/>
     <dgm:cxn modelId="{B80B2AEC-017C-4327-B42F-51F026F96D11}" srcId="{C7B6C817-4A21-4C42-8F04-7C967653B87E}" destId="{5113BE84-B8EC-41ED-B63C-67A5A19EE6E7}" srcOrd="1" destOrd="0" parTransId="{100A408B-A671-41AF-A1A0-D247DEFFEE3C}" sibTransId="{987527E7-2CA2-40D9-868A-60A7BB9A45C9}"/>
-    <dgm:cxn modelId="{9E8AD5D4-879A-419D-BC18-F643B4B18A03}" type="presOf" srcId="{A85C89E5-2E08-4FD8-BF2B-ECC7A0BE95C6}" destId="{78D5B7C2-C47F-4C13-8753-E4F6A70FC8A5}" srcOrd="0" destOrd="0" presId="urn:microsoft.com/office/officeart/2005/8/layout/hierarchy4"/>
+    <dgm:cxn modelId="{E6BD61C9-8B12-467E-87CB-6600E3F5247D}" type="presOf" srcId="{26B09853-8C46-4953-998A-FE8BA8ECD498}" destId="{A0D12B3F-CDFC-4EC5-B3F7-3F6E92A18A13}" srcOrd="0" destOrd="0" presId="urn:microsoft.com/office/officeart/2005/8/layout/hierarchy4"/>
     <dgm:cxn modelId="{421F4D6A-FD8C-4D8A-9C0E-5F0F9F89E61A}" srcId="{63DB919B-790B-48C8-906B-7BD74B2881AA}" destId="{E9760F77-4C4D-4CF2-B3E3-EA45210D86AF}" srcOrd="0" destOrd="0" parTransId="{38399586-F7B6-4C9E-9B91-966CDEE82C15}" sibTransId="{AC739A39-A1FB-4712-B61E-996D3CD5DCDF}"/>
-    <dgm:cxn modelId="{64B07C40-4FD6-47B5-8DDF-3E5EFF6868B3}" type="presOf" srcId="{63DB919B-790B-48C8-906B-7BD74B2881AA}" destId="{16BED079-64F2-4E14-89A4-76A59774EE43}" srcOrd="0" destOrd="0" presId="urn:microsoft.com/office/officeart/2005/8/layout/hierarchy4"/>
     <dgm:cxn modelId="{4A1F5B75-8DDC-46E3-B006-98420751DB4C}" type="presOf" srcId="{E9760F77-4C4D-4CF2-B3E3-EA45210D86AF}" destId="{AD1EC286-7B46-4E1F-9D5B-93C434DBF460}" srcOrd="0" destOrd="0" presId="urn:microsoft.com/office/officeart/2005/8/layout/hierarchy4"/>
     <dgm:cxn modelId="{DEDD138E-2D96-4B18-9B57-B7162E3E7EDB}" type="presOf" srcId="{5113BE84-B8EC-41ED-B63C-67A5A19EE6E7}" destId="{5C4C1EB2-6DC3-46B4-919F-62458CF154B3}" srcOrd="0" destOrd="0" presId="urn:microsoft.com/office/officeart/2005/8/layout/hierarchy4"/>
-    <dgm:cxn modelId="{E6BD61C9-8B12-467E-87CB-6600E3F5247D}" type="presOf" srcId="{26B09853-8C46-4953-998A-FE8BA8ECD498}" destId="{A0D12B3F-CDFC-4EC5-B3F7-3F6E92A18A13}" srcOrd="0" destOrd="0" presId="urn:microsoft.com/office/officeart/2005/8/layout/hierarchy4"/>
-    <dgm:cxn modelId="{206CD7A7-FA1B-4D55-8F8A-8380DE0DC5F8}" type="presOf" srcId="{4C12BAF4-347E-45F6-8190-3654963A8336}" destId="{C415B42C-C4E6-4D53-833B-28A8F19C4F18}" srcOrd="0" destOrd="0" presId="urn:microsoft.com/office/officeart/2005/8/layout/hierarchy4"/>
+    <dgm:cxn modelId="{98244B6B-7330-4D12-A83F-BC501F614B5E}" srcId="{C7B6C817-4A21-4C42-8F04-7C967653B87E}" destId="{8C14DFCF-7BC8-44F5-81B4-107AD0D7FD3A}" srcOrd="0" destOrd="0" parTransId="{03CC73CC-5602-4D79-A3A9-68D1F663D4A2}" sibTransId="{174E47ED-E920-4DFD-B0C4-E3F4C684F2FC}"/>
+    <dgm:cxn modelId="{33AC5844-990F-43A0-AB56-482C0457B6B5}" srcId="{C7B6C817-4A21-4C42-8F04-7C967653B87E}" destId="{A85C89E5-2E08-4FD8-BF2B-ECC7A0BE95C6}" srcOrd="2" destOrd="0" parTransId="{837492CD-F51F-48AA-BE58-333B30CFEB2A}" sibTransId="{F7B7038A-EABA-4A05-9EAD-0551378A4E61}"/>
     <dgm:cxn modelId="{E24AFA8B-1BE4-47AA-92E7-2435776ED9E4}" type="presParOf" srcId="{16BED079-64F2-4E14-89A4-76A59774EE43}" destId="{4FE96E45-06F2-4227-B071-2711F9CFD1F3}" srcOrd="0" destOrd="0" presId="urn:microsoft.com/office/officeart/2005/8/layout/hierarchy4"/>
     <dgm:cxn modelId="{0F39CA02-9F99-4B6A-ABF3-CCD2420B8C74}" type="presParOf" srcId="{4FE96E45-06F2-4227-B071-2711F9CFD1F3}" destId="{AD1EC286-7B46-4E1F-9D5B-93C434DBF460}" srcOrd="0" destOrd="0" presId="urn:microsoft.com/office/officeart/2005/8/layout/hierarchy4"/>
     <dgm:cxn modelId="{9A78BAB4-09BC-4F51-9311-8C47B53D6F05}" type="presParOf" srcId="{4FE96E45-06F2-4227-B071-2711F9CFD1F3}" destId="{2352C57B-CD36-49D0-9842-6149F2DA5E70}" srcOrd="1" destOrd="0" presId="urn:microsoft.com/office/officeart/2005/8/layout/hierarchy4"/>
@@ -3602,7 +3644,7 @@
           <a:p>
             <a:fld id="{A294FDF5-D5EE-442B-B955-5D3412F1AE84}" type="datetimeFigureOut">
               <a:rPr lang="zh-CN" altLang="en-US" smtClean="0"/>
-              <a:t>2013/12/2</a:t>
+              <a:t>2013/12/4</a:t>
             </a:fld>
             <a:endParaRPr lang="zh-CN" altLang="en-US"/>
           </a:p>
@@ -4144,7 +4186,7 @@
           <a:p>
             <a:fld id="{B72295EB-55FA-48D8-BD0E-0DF1A7E20A2A}" type="datetimeFigureOut">
               <a:rPr lang="zh-CN" altLang="en-US" smtClean="0"/>
-              <a:t>2013/12/2</a:t>
+              <a:t>2013/12/4</a:t>
             </a:fld>
             <a:endParaRPr lang="zh-CN" altLang="en-US"/>
           </a:p>
@@ -4309,7 +4351,7 @@
           <a:p>
             <a:fld id="{B72295EB-55FA-48D8-BD0E-0DF1A7E20A2A}" type="datetimeFigureOut">
               <a:rPr lang="zh-CN" altLang="en-US" smtClean="0"/>
-              <a:t>2013/12/2</a:t>
+              <a:t>2013/12/4</a:t>
             </a:fld>
             <a:endParaRPr lang="zh-CN" altLang="en-US"/>
           </a:p>
@@ -4484,7 +4526,7 @@
           <a:p>
             <a:fld id="{B72295EB-55FA-48D8-BD0E-0DF1A7E20A2A}" type="datetimeFigureOut">
               <a:rPr lang="zh-CN" altLang="en-US" smtClean="0"/>
-              <a:t>2013/12/2</a:t>
+              <a:t>2013/12/4</a:t>
             </a:fld>
             <a:endParaRPr lang="zh-CN" altLang="en-US"/>
           </a:p>
@@ -4649,7 +4691,7 @@
           <a:p>
             <a:fld id="{B72295EB-55FA-48D8-BD0E-0DF1A7E20A2A}" type="datetimeFigureOut">
               <a:rPr lang="zh-CN" altLang="en-US" smtClean="0"/>
-              <a:t>2013/12/2</a:t>
+              <a:t>2013/12/4</a:t>
             </a:fld>
             <a:endParaRPr lang="zh-CN" altLang="en-US"/>
           </a:p>
@@ -4924,7 +4966,7 @@
           <a:p>
             <a:fld id="{B72295EB-55FA-48D8-BD0E-0DF1A7E20A2A}" type="datetimeFigureOut">
               <a:rPr lang="zh-CN" altLang="en-US" smtClean="0"/>
-              <a:t>2013/12/2</a:t>
+              <a:t>2013/12/4</a:t>
             </a:fld>
             <a:endParaRPr lang="zh-CN" altLang="en-US"/>
           </a:p>
@@ -5207,7 +5249,7 @@
           <a:p>
             <a:fld id="{B72295EB-55FA-48D8-BD0E-0DF1A7E20A2A}" type="datetimeFigureOut">
               <a:rPr lang="zh-CN" altLang="en-US" smtClean="0"/>
-              <a:t>2013/12/2</a:t>
+              <a:t>2013/12/4</a:t>
             </a:fld>
             <a:endParaRPr lang="zh-CN" altLang="en-US"/>
           </a:p>
@@ -5624,7 +5666,7 @@
           <a:p>
             <a:fld id="{B72295EB-55FA-48D8-BD0E-0DF1A7E20A2A}" type="datetimeFigureOut">
               <a:rPr lang="zh-CN" altLang="en-US" smtClean="0"/>
-              <a:t>2013/12/2</a:t>
+              <a:t>2013/12/4</a:t>
             </a:fld>
             <a:endParaRPr lang="zh-CN" altLang="en-US"/>
           </a:p>
@@ -5737,7 +5779,7 @@
           <a:p>
             <a:fld id="{B72295EB-55FA-48D8-BD0E-0DF1A7E20A2A}" type="datetimeFigureOut">
               <a:rPr lang="zh-CN" altLang="en-US" smtClean="0"/>
-              <a:t>2013/12/2</a:t>
+              <a:t>2013/12/4</a:t>
             </a:fld>
             <a:endParaRPr lang="zh-CN" altLang="en-US"/>
           </a:p>
@@ -5827,7 +5869,7 @@
           <a:p>
             <a:fld id="{B72295EB-55FA-48D8-BD0E-0DF1A7E20A2A}" type="datetimeFigureOut">
               <a:rPr lang="zh-CN" altLang="en-US" smtClean="0"/>
-              <a:t>2013/12/2</a:t>
+              <a:t>2013/12/4</a:t>
             </a:fld>
             <a:endParaRPr lang="zh-CN" altLang="en-US"/>
           </a:p>
@@ -6096,7 +6138,7 @@
           <a:p>
             <a:fld id="{B72295EB-55FA-48D8-BD0E-0DF1A7E20A2A}" type="datetimeFigureOut">
               <a:rPr lang="zh-CN" altLang="en-US" smtClean="0"/>
-              <a:t>2013/12/2</a:t>
+              <a:t>2013/12/4</a:t>
             </a:fld>
             <a:endParaRPr lang="zh-CN" altLang="en-US"/>
           </a:p>
@@ -6444,7 +6486,7 @@
           <a:p>
             <a:fld id="{B72295EB-55FA-48D8-BD0E-0DF1A7E20A2A}" type="datetimeFigureOut">
               <a:rPr lang="zh-CN" altLang="en-US" smtClean="0"/>
-              <a:t>2013/12/2</a:t>
+              <a:t>2013/12/4</a:t>
             </a:fld>
             <a:endParaRPr lang="zh-CN" altLang="en-US"/>
           </a:p>
@@ -6881,7 +6923,7 @@
           <a:p>
             <a:fld id="{B72295EB-55FA-48D8-BD0E-0DF1A7E20A2A}" type="datetimeFigureOut">
               <a:rPr lang="zh-CN" altLang="en-US" smtClean="0"/>
-              <a:t>2013/12/2</a:t>
+              <a:t>2013/12/4</a:t>
             </a:fld>
             <a:endParaRPr lang="zh-CN" altLang="en-US"/>
           </a:p>
@@ -7930,7 +7972,22 @@
             </a:r>
             <a:r>
               <a:rPr lang="zh-CN" altLang="en-US" sz="2000" dirty="0" smtClean="0"/>
-              <a:t>、下载动作无法实时进行。由于是接入的第三方网盘</a:t>
+              <a:t>、没有解决在虚拟磁盘中直接右键创建文件和文件夹，只能通过拖入文件的方式进行创建操作。</a:t>
+            </a:r>
+            <a:endParaRPr lang="en-US" altLang="zh-CN" sz="2000" dirty="0" smtClean="0"/>
+          </a:p>
+          <a:p>
+            <a:r>
+              <a:rPr lang="en-US" altLang="zh-CN" sz="2000" dirty="0"/>
+              <a:t>2</a:t>
+            </a:r>
+            <a:r>
+              <a:rPr lang="zh-CN" altLang="en-US" sz="2000" dirty="0" smtClean="0"/>
+              <a:t>、</a:t>
+            </a:r>
+            <a:r>
+              <a:rPr lang="zh-CN" altLang="en-US" sz="2000" dirty="0" smtClean="0"/>
+              <a:t>下载动作无法实时进行。由于是接入的第三方网盘</a:t>
             </a:r>
             <a:r>
               <a:rPr lang="en-US" altLang="zh-CN" sz="2000" dirty="0" err="1" smtClean="0"/>
@@ -7964,12 +8021,16 @@
           </a:p>
           <a:p>
             <a:r>
-              <a:rPr lang="en-US" altLang="zh-CN" sz="2000" dirty="0" smtClean="0"/>
-              <a:t>2</a:t>
+              <a:rPr lang="en-US" altLang="zh-CN" sz="2000" dirty="0"/>
+              <a:t>3</a:t>
+            </a:r>
+            <a:r>
+              <a:rPr lang="zh-CN" altLang="en-US" sz="2000" smtClean="0"/>
+              <a:t>、</a:t>
             </a:r>
             <a:r>
               <a:rPr lang="zh-CN" altLang="en-US" sz="2000" dirty="0" smtClean="0"/>
-              <a:t>、不支持断点下载。</a:t>
+              <a:t>不支持断点下载。</a:t>
             </a:r>
             <a:endParaRPr lang="zh-CN" altLang="en-US" sz="2000" dirty="0"/>
           </a:p>
